--- a/설계서/에코 기능 설계서.pptx
+++ b/설계서/에코 기능 설계서.pptx
@@ -4055,7 +4055,7 @@
           <a:p>
             <a:fld id="{3391A759-BFF8-4B5B-9ECE-D93AC303B331}" type="datetime1">
               <a:rPr lang="en-US" smtClean="0"/>
-              <a:t>3/28/2025</a:t>
+              <a:t>4/1/2025</a:t>
             </a:fld>
             <a:endParaRPr lang="en-US"/>
           </a:p>
@@ -4309,7 +4309,7 @@
           <a:p>
             <a:fld id="{6DFDF398-5DA3-4937-BE3F-7CA1B9158252}" type="datetime1">
               <a:rPr lang="en-US" smtClean="0"/>
-              <a:t>3/28/2025</a:t>
+              <a:t>4/1/2025</a:t>
             </a:fld>
             <a:endParaRPr lang="en-US"/>
           </a:p>
@@ -4519,7 +4519,7 @@
           <a:p>
             <a:fld id="{8F191ED9-F929-4A92-90F9-3C9C84ABBE83}" type="datetime1">
               <a:rPr lang="en-US" smtClean="0"/>
-              <a:t>3/28/2025</a:t>
+              <a:t>4/1/2025</a:t>
             </a:fld>
             <a:endParaRPr lang="en-US"/>
           </a:p>
@@ -4774,7 +4774,7 @@
           <a:p>
             <a:fld id="{EEBAB316-A2E6-49F2-825C-64AA951E4184}" type="datetime1">
               <a:rPr lang="en-US" smtClean="0"/>
-              <a:t>3/28/2025</a:t>
+              <a:t>4/1/2025</a:t>
             </a:fld>
             <a:endParaRPr lang="en-US"/>
           </a:p>
@@ -5052,7 +5052,7 @@
           <a:p>
             <a:fld id="{5AE9748B-ADD6-4C5A-8C2A-A39721276E74}" type="datetime1">
               <a:rPr lang="en-US" smtClean="0"/>
-              <a:t>3/28/2025</a:t>
+              <a:t>4/1/2025</a:t>
             </a:fld>
             <a:endParaRPr lang="en-US"/>
           </a:p>
@@ -5324,7 +5324,7 @@
           <a:p>
             <a:fld id="{7241FB0F-3C5C-4949-B933-9C7E511ED094}" type="datetime1">
               <a:rPr lang="en-US" smtClean="0"/>
-              <a:t>3/28/2025</a:t>
+              <a:t>4/1/2025</a:t>
             </a:fld>
             <a:endParaRPr lang="en-US"/>
           </a:p>
@@ -5812,7 +5812,7 @@
           <a:p>
             <a:fld id="{C2F01D58-E949-4BCB-829A-BBF80E38D59C}" type="datetime1">
               <a:rPr lang="en-US" smtClean="0"/>
-              <a:t>3/28/2025</a:t>
+              <a:t>4/1/2025</a:t>
             </a:fld>
             <a:endParaRPr lang="en-US"/>
           </a:p>
@@ -5954,7 +5954,7 @@
           <a:p>
             <a:fld id="{FF10A846-0DA4-4D92-9BF1-DE8C52C1F4DF}" type="datetime1">
               <a:rPr lang="en-US" smtClean="0"/>
-              <a:t>3/28/2025</a:t>
+              <a:t>4/1/2025</a:t>
             </a:fld>
             <a:endParaRPr lang="en-US"/>
           </a:p>
@@ -6067,7 +6067,7 @@
           <a:p>
             <a:fld id="{E9412331-4A9C-472F-A7FA-968157338839}" type="datetime1">
               <a:rPr lang="en-US" smtClean="0"/>
-              <a:t>3/28/2025</a:t>
+              <a:t>4/1/2025</a:t>
             </a:fld>
             <a:endParaRPr lang="en-US"/>
           </a:p>
@@ -6386,7 +6386,7 @@
           <a:p>
             <a:fld id="{A2197F3D-ED52-43FD-A26D-318B71534485}" type="datetime1">
               <a:rPr lang="en-US" smtClean="0"/>
-              <a:t>3/28/2025</a:t>
+              <a:t>4/1/2025</a:t>
             </a:fld>
             <a:endParaRPr lang="en-US"/>
           </a:p>
@@ -6683,7 +6683,7 @@
           <a:p>
             <a:fld id="{3D291FA4-6264-4BB8-B3B5-77711EED2D82}" type="datetime1">
               <a:rPr lang="en-US" smtClean="0"/>
-              <a:t>3/28/2025</a:t>
+              <a:t>4/1/2025</a:t>
             </a:fld>
             <a:endParaRPr lang="en-US"/>
           </a:p>
@@ -6920,7 +6920,7 @@
           <a:p>
             <a:fld id="{E7F6A1D9-D323-4F4E-8655-25E2D32CE742}" type="datetime1">
               <a:rPr lang="en-US" smtClean="0"/>
-              <a:t>3/28/2025</a:t>
+              <a:t>4/1/2025</a:t>
             </a:fld>
             <a:endParaRPr lang="en-US"/>
           </a:p>
@@ -10960,7 +10960,16 @@
               <a:rPr lang="en-US" altLang="ko-KR" sz="1600" b="1" dirty="0"/>
               <a:t>)</a:t>
             </a:r>
-            <a:endParaRPr lang="ko-KR" altLang="en-US" sz="1600" b="1" dirty="0"/>
+          </a:p>
+          <a:p>
+            <a:pPr>
+              <a:buFont typeface="Arial" panose="020B0604020202020204" pitchFamily="34" charset="0"/>
+              <a:buChar char="•"/>
+            </a:pPr>
+            <a:r>
+              <a:rPr lang="ko-KR" altLang="en-US" sz="1600" b="1" dirty="0"/>
+              <a:t> 공유 기능</a:t>
+            </a:r>
           </a:p>
           <a:p>
             <a:endParaRPr lang="ko-KR" altLang="en-US" sz="1600" b="1" dirty="0"/>

--- a/설계서/에코 기능 설계서.pptx
+++ b/설계서/에코 기능 설계서.pptx
@@ -3988,7 +3988,7 @@
           <a:p>
             <a:fld id="{4A82F5BE-8537-4A9E-ABBA-D3A84E2ABBD5}" type="datetimeFigureOut">
               <a:rPr lang="ko-KR" altLang="en-US" smtClean="0"/>
-              <a:t>2025-04-21</a:t>
+              <a:t>2025-04-30</a:t>
             </a:fld>
             <a:endParaRPr lang="ko-KR" altLang="en-US"/>
           </a:p>
@@ -4493,7 +4493,7 @@
           <a:p>
             <a:fld id="{3391A759-BFF8-4B5B-9ECE-D93AC303B331}" type="datetime1">
               <a:rPr lang="en-US" smtClean="0"/>
-              <a:t>4/21/2025</a:t>
+              <a:t>4/30/2025</a:t>
             </a:fld>
             <a:endParaRPr lang="en-US"/>
           </a:p>
@@ -4747,7 +4747,7 @@
           <a:p>
             <a:fld id="{6DFDF398-5DA3-4937-BE3F-7CA1B9158252}" type="datetime1">
               <a:rPr lang="en-US" smtClean="0"/>
-              <a:t>4/21/2025</a:t>
+              <a:t>4/30/2025</a:t>
             </a:fld>
             <a:endParaRPr lang="en-US"/>
           </a:p>
@@ -4957,7 +4957,7 @@
           <a:p>
             <a:fld id="{8F191ED9-F929-4A92-90F9-3C9C84ABBE83}" type="datetime1">
               <a:rPr lang="en-US" smtClean="0"/>
-              <a:t>4/21/2025</a:t>
+              <a:t>4/30/2025</a:t>
             </a:fld>
             <a:endParaRPr lang="en-US"/>
           </a:p>
@@ -5212,7 +5212,7 @@
           <a:p>
             <a:fld id="{EEBAB316-A2E6-49F2-825C-64AA951E4184}" type="datetime1">
               <a:rPr lang="en-US" smtClean="0"/>
-              <a:t>4/21/2025</a:t>
+              <a:t>4/30/2025</a:t>
             </a:fld>
             <a:endParaRPr lang="en-US"/>
           </a:p>
@@ -5490,7 +5490,7 @@
           <a:p>
             <a:fld id="{5AE9748B-ADD6-4C5A-8C2A-A39721276E74}" type="datetime1">
               <a:rPr lang="en-US" smtClean="0"/>
-              <a:t>4/21/2025</a:t>
+              <a:t>4/30/2025</a:t>
             </a:fld>
             <a:endParaRPr lang="en-US"/>
           </a:p>
@@ -5762,7 +5762,7 @@
           <a:p>
             <a:fld id="{7241FB0F-3C5C-4949-B933-9C7E511ED094}" type="datetime1">
               <a:rPr lang="en-US" smtClean="0"/>
-              <a:t>4/21/2025</a:t>
+              <a:t>4/30/2025</a:t>
             </a:fld>
             <a:endParaRPr lang="en-US"/>
           </a:p>
@@ -6250,7 +6250,7 @@
           <a:p>
             <a:fld id="{C2F01D58-E949-4BCB-829A-BBF80E38D59C}" type="datetime1">
               <a:rPr lang="en-US" smtClean="0"/>
-              <a:t>4/21/2025</a:t>
+              <a:t>4/30/2025</a:t>
             </a:fld>
             <a:endParaRPr lang="en-US"/>
           </a:p>
@@ -6392,7 +6392,7 @@
           <a:p>
             <a:fld id="{FF10A846-0DA4-4D92-9BF1-DE8C52C1F4DF}" type="datetime1">
               <a:rPr lang="en-US" smtClean="0"/>
-              <a:t>4/21/2025</a:t>
+              <a:t>4/30/2025</a:t>
             </a:fld>
             <a:endParaRPr lang="en-US"/>
           </a:p>
@@ -6505,7 +6505,7 @@
           <a:p>
             <a:fld id="{E9412331-4A9C-472F-A7FA-968157338839}" type="datetime1">
               <a:rPr lang="en-US" smtClean="0"/>
-              <a:t>4/21/2025</a:t>
+              <a:t>4/30/2025</a:t>
             </a:fld>
             <a:endParaRPr lang="en-US"/>
           </a:p>
@@ -6824,7 +6824,7 @@
           <a:p>
             <a:fld id="{A2197F3D-ED52-43FD-A26D-318B71534485}" type="datetime1">
               <a:rPr lang="en-US" smtClean="0"/>
-              <a:t>4/21/2025</a:t>
+              <a:t>4/30/2025</a:t>
             </a:fld>
             <a:endParaRPr lang="en-US"/>
           </a:p>
@@ -7121,7 +7121,7 @@
           <a:p>
             <a:fld id="{3D291FA4-6264-4BB8-B3B5-77711EED2D82}" type="datetime1">
               <a:rPr lang="en-US" smtClean="0"/>
-              <a:t>4/21/2025</a:t>
+              <a:t>4/30/2025</a:t>
             </a:fld>
             <a:endParaRPr lang="en-US"/>
           </a:p>
@@ -7358,7 +7358,7 @@
           <a:p>
             <a:fld id="{E7F6A1D9-D323-4F4E-8655-25E2D32CE742}" type="datetime1">
               <a:rPr lang="en-US" smtClean="0"/>
-              <a:t>4/21/2025</a:t>
+              <a:t>4/30/2025</a:t>
             </a:fld>
             <a:endParaRPr lang="en-US"/>
           </a:p>
@@ -8718,15 +8718,7 @@
             <a:pPr lvl="1"/>
             <a:r>
               <a:rPr lang="ko-KR" altLang="en-US" b="1" dirty="0"/>
-              <a:t>면접 </a:t>
-            </a:r>
-            <a:r>
-              <a:rPr lang="ko-KR" altLang="en-US" b="1" dirty="0" err="1"/>
-              <a:t>질문당</a:t>
-            </a:r>
-            <a:r>
-              <a:rPr lang="ko-KR" altLang="en-US" b="1" dirty="0"/>
-              <a:t> 시간제한</a:t>
+              <a:t>면접 질문 당 시간제한</a:t>
             </a:r>
             <a:r>
               <a:rPr lang="en-US" altLang="ko-KR" b="1" dirty="0"/>
@@ -8819,20 +8811,8 @@
               <a:t>(30</a:t>
             </a:r>
             <a:r>
-              <a:rPr lang="ko-KR" altLang="en-US" sz="1800" b="1" dirty="0" err="1"/>
-              <a:t>개질문</a:t>
-            </a:r>
-            <a:r>
               <a:rPr lang="ko-KR" altLang="en-US" sz="1800" b="1" dirty="0"/>
-              <a:t> </a:t>
-            </a:r>
-            <a:r>
-              <a:rPr lang="ko-KR" altLang="en-US" sz="1800" b="1" dirty="0" err="1"/>
-              <a:t>꽉찼을때</a:t>
-            </a:r>
-            <a:r>
-              <a:rPr lang="ko-KR" altLang="en-US" sz="1800" b="1" dirty="0"/>
-              <a:t> 알림 뜨기</a:t>
+              <a:t>개 질문 꽉 찼을 때 알림 뜨기</a:t>
             </a:r>
             <a:r>
               <a:rPr lang="en-US" altLang="ko-KR" sz="1800" b="1" dirty="0"/>
@@ -9160,13 +9140,33 @@
               <a:rPr lang="ko-KR" altLang="en-US" sz="1800" b="1" dirty="0"/>
               <a:t>질문 추가하기</a:t>
             </a:r>
-            <a:endParaRPr lang="en-US" altLang="ko-KR" sz="1800" b="1" dirty="0"/>
+            <a:endParaRPr lang="en-US" altLang="ko-KR" sz="1600" b="1" dirty="0"/>
           </a:p>
           <a:p>
             <a:pPr lvl="1"/>
             <a:r>
               <a:rPr lang="ko-KR" altLang="en-US" sz="1600" b="1" dirty="0"/>
-              <a:t>면접 종료 후 추가 질문 기능 제공</a:t>
+              <a:t>메인 메뉴 또는 피드백이 끝난 후 </a:t>
+            </a:r>
+            <a:r>
+              <a:rPr lang="en-US" altLang="ko-KR" sz="1600" b="1" dirty="0"/>
+              <a:t>‘</a:t>
+            </a:r>
+            <a:r>
+              <a:rPr lang="ko-KR" altLang="en-US" sz="1600" b="1" dirty="0"/>
+              <a:t>듣고 싶은 면접 질문이 </a:t>
+            </a:r>
+            <a:r>
+              <a:rPr lang="ko-KR" altLang="en-US" sz="1600" b="1" dirty="0" err="1"/>
+              <a:t>있으신가요</a:t>
+            </a:r>
+            <a:r>
+              <a:rPr lang="en-US" altLang="ko-KR" sz="1600" b="1" dirty="0"/>
+              <a:t>?’</a:t>
+            </a:r>
+            <a:r>
+              <a:rPr lang="ko-KR" altLang="en-US" sz="1600" b="1" dirty="0"/>
+              <a:t> 문구 표시</a:t>
             </a:r>
             <a:endParaRPr lang="en-US" altLang="ko-KR" sz="1600" b="1" dirty="0"/>
           </a:p>
@@ -9178,27 +9178,7 @@
             <a:pPr lvl="1"/>
             <a:r>
               <a:rPr lang="ko-KR" altLang="en-US" sz="1600" b="1" dirty="0"/>
-              <a:t>피드백이 끝난 후 </a:t>
-            </a:r>
-            <a:r>
-              <a:rPr lang="ko-KR" altLang="en-US" sz="1600" b="1" dirty="0" err="1"/>
-              <a:t>듣고싶은</a:t>
-            </a:r>
-            <a:r>
-              <a:rPr lang="ko-KR" altLang="en-US" sz="1600" b="1" dirty="0"/>
-              <a:t> 면접 질문이 </a:t>
-            </a:r>
-            <a:r>
-              <a:rPr lang="ko-KR" altLang="en-US" sz="1600" b="1" dirty="0" err="1"/>
-              <a:t>있으신가요</a:t>
-            </a:r>
-            <a:r>
-              <a:rPr lang="en-US" altLang="ko-KR" sz="1600" b="1" dirty="0"/>
-              <a:t>?</a:t>
-            </a:r>
-            <a:r>
-              <a:rPr lang="ko-KR" altLang="en-US" sz="1600" b="1" dirty="0"/>
-              <a:t> 문구 표시</a:t>
+              <a:t>사용자가 원하는 면접 질문을 직접 추가 가능</a:t>
             </a:r>
             <a:endParaRPr lang="en-US" altLang="ko-KR" sz="1600" b="1" dirty="0"/>
           </a:p>
@@ -9210,31 +9190,7 @@
             <a:pPr lvl="1"/>
             <a:r>
               <a:rPr lang="ko-KR" altLang="en-US" sz="1600" b="1" dirty="0"/>
-              <a:t>사용자가 원하는 면접 질문을 직접 입력 가능</a:t>
-            </a:r>
-            <a:endParaRPr lang="en-US" altLang="ko-KR" sz="1600" b="1" dirty="0"/>
-          </a:p>
-          <a:p>
-            <a:pPr lvl="1"/>
-            <a:endParaRPr lang="en-US" altLang="ko-KR" sz="1600" b="1" dirty="0"/>
-          </a:p>
-          <a:p>
-            <a:pPr lvl="1"/>
-            <a:r>
-              <a:rPr lang="ko-KR" altLang="en-US" sz="1600" b="1" dirty="0" err="1"/>
-              <a:t>없을시</a:t>
-            </a:r>
-            <a:r>
-              <a:rPr lang="ko-KR" altLang="en-US" sz="1600" b="1" dirty="0"/>
-              <a:t> 다음 버튼 출력 후 클릭하면 </a:t>
-            </a:r>
-            <a:r>
-              <a:rPr lang="ko-KR" altLang="en-US" sz="1600" b="1" dirty="0" err="1"/>
-              <a:t>다른문제</a:t>
-            </a:r>
-            <a:r>
-              <a:rPr lang="ko-KR" altLang="en-US" sz="1600" b="1" dirty="0"/>
-              <a:t> 제공</a:t>
+              <a:t>없을 시 다음 버튼 출력 후 클릭하면 다른 문제 제공</a:t>
             </a:r>
             <a:endParaRPr lang="en-US" altLang="ko-KR" sz="1600" b="1" dirty="0"/>
           </a:p>
@@ -9903,15 +9859,7 @@
             <a:pPr lvl="1"/>
             <a:r>
               <a:rPr lang="ko-KR" altLang="en-US" sz="1400" b="1" dirty="0"/>
-              <a:t>면접 피드백이 </a:t>
-            </a:r>
-            <a:r>
-              <a:rPr lang="ko-KR" altLang="en-US" sz="1400" b="1" dirty="0" err="1"/>
-              <a:t>끝날때</a:t>
-            </a:r>
-            <a:r>
-              <a:rPr lang="ko-KR" altLang="en-US" sz="1400" b="1" dirty="0"/>
-              <a:t> 자동으로 히스토리 추가 </a:t>
+              <a:t>면접 피드백이 끝날 때 자동으로 히스토리 추가 </a:t>
             </a:r>
             <a:endParaRPr lang="en-US" altLang="ko-KR" sz="1400" b="1" dirty="0"/>
           </a:p>
@@ -9932,14 +9880,6 @@
           </a:p>
           <a:p>
             <a:pPr lvl="1"/>
-            <a:r>
-              <a:rPr lang="ko-KR" altLang="en-US" sz="1600" b="1" dirty="0"/>
-              <a:t>사용자의 정보</a:t>
-            </a:r>
-            <a:r>
-              <a:rPr lang="en-US" altLang="ko-KR" sz="1600" b="1" dirty="0"/>
-              <a:t>, </a:t>
-            </a:r>
             <a:r>
               <a:rPr lang="ko-KR" altLang="en-US" sz="1600" b="1" dirty="0"/>
               <a:t>질문과 답변의 내용</a:t>
@@ -10321,12 +10261,8 @@
           <a:p>
             <a:pPr lvl="1"/>
             <a:r>
-              <a:rPr lang="ko-KR" altLang="en-US" sz="1400" b="1" dirty="0" err="1"/>
-              <a:t>메인화면에서</a:t>
-            </a:r>
-            <a:r>
               <a:rPr lang="ko-KR" altLang="en-US" sz="1400" b="1" dirty="0"/>
-              <a:t> 분야별 후기 조회 가능</a:t>
+              <a:t>메인 화면에서 분야별 후기 조회 가능</a:t>
             </a:r>
             <a:r>
               <a:rPr lang="en-US" altLang="ko-KR" sz="1400" b="1" dirty="0"/>
@@ -10983,29 +10919,7 @@
             <a:pPr lvl="1"/>
             <a:r>
               <a:rPr lang="ko-KR" altLang="en-US" sz="1600" b="1" dirty="0"/>
-              <a:t>개발자가 하드코딩으로 면접 </a:t>
-            </a:r>
-            <a:r>
-              <a:rPr lang="ko-KR" altLang="en-US" sz="1600" b="1" dirty="0" err="1"/>
-              <a:t>볼때</a:t>
-            </a:r>
-            <a:r>
-              <a:rPr lang="ko-KR" altLang="en-US" sz="1600" b="1" dirty="0"/>
-              <a:t> 이용하면 좋을 </a:t>
-            </a:r>
-            <a:endParaRPr lang="en-US" altLang="ko-KR" sz="1600" b="1" dirty="0"/>
-          </a:p>
-          <a:p>
-            <a:pPr marL="0" lvl="1" indent="0">
-              <a:buNone/>
-            </a:pPr>
-            <a:r>
-              <a:rPr lang="en-US" altLang="ko-KR" sz="1600" b="1" dirty="0"/>
-              <a:t>    </a:t>
-            </a:r>
-            <a:r>
-              <a:rPr lang="ko-KR" altLang="en-US" sz="1600" b="1" dirty="0"/>
-              <a:t>팁과 자세</a:t>
+              <a:t>개발자가 하드코딩으로 면접 볼 때 이용하면 좋을 팁과 자세</a:t>
             </a:r>
             <a:r>
               <a:rPr lang="en-US" altLang="ko-KR" sz="1600" b="1" dirty="0"/>
@@ -11020,12 +10934,8 @@
               <a:t> </a:t>
             </a:r>
             <a:r>
-              <a:rPr lang="ko-KR" altLang="en-US" sz="1600" b="1" dirty="0" err="1"/>
-              <a:t>피드백칸에</a:t>
-            </a:r>
-            <a:r>
               <a:rPr lang="ko-KR" altLang="en-US" sz="1600" b="1" dirty="0"/>
-              <a:t> 출력</a:t>
+              <a:t>피드백 칸에 출력</a:t>
             </a:r>
             <a:endParaRPr lang="en-US" altLang="ko-KR" sz="1600" b="1" dirty="0"/>
           </a:p>
@@ -11289,11 +11199,11 @@
             <a:pPr lvl="1"/>
             <a:r>
               <a:rPr lang="ko-KR" altLang="en-US" sz="1600" b="1" dirty="0"/>
-              <a:t>소리 </a:t>
+              <a:t>소리 조절</a:t>
             </a:r>
             <a:r>
               <a:rPr lang="en-US" altLang="ko-KR" sz="1600" b="1" dirty="0"/>
-              <a:t>ON/OFF, </a:t>
+              <a:t>, </a:t>
             </a:r>
             <a:r>
               <a:rPr lang="ko-KR" altLang="en-US" sz="1600" b="1" dirty="0"/>
@@ -13077,15 +12987,7 @@
             </a:r>
             <a:r>
               <a:rPr lang="ko-KR" altLang="en-US" sz="1600" b="1" dirty="0"/>
-              <a:t> 전화번호 </a:t>
-            </a:r>
-            <a:r>
-              <a:rPr lang="ko-KR" altLang="en-US" sz="1600" b="1" dirty="0" err="1"/>
-              <a:t>가입전</a:t>
-            </a:r>
-            <a:r>
-              <a:rPr lang="ko-KR" altLang="en-US" sz="1600" b="1" dirty="0"/>
-              <a:t> 중복 여부 확인</a:t>
+              <a:t> 전화번호 가입 전 중복 여부 확인</a:t>
             </a:r>
             <a:endParaRPr lang="en-US" altLang="ko-KR" sz="1600" b="1" dirty="0"/>
           </a:p>
@@ -13222,15 +13124,31 @@
             </a:r>
             <a:r>
               <a:rPr lang="ko-KR" altLang="en-US" sz="1600" b="1" dirty="0"/>
-              <a:t> 전화번호 성별 주소 </a:t>
-            </a:r>
-            <a:r>
-              <a:rPr lang="ko-KR" altLang="en-US" sz="1600" b="1" dirty="0" err="1"/>
-              <a:t>데이터값</a:t>
+              <a:t> 전화번호</a:t>
+            </a:r>
+            <a:r>
+              <a:rPr lang="en-US" altLang="ko-KR" sz="1600" b="1" dirty="0"/>
+              <a:t>, </a:t>
             </a:r>
             <a:r>
               <a:rPr lang="ko-KR" altLang="en-US" sz="1600" b="1" dirty="0"/>
-              <a:t> 불러와서 </a:t>
+              <a:t>성별</a:t>
+            </a:r>
+            <a:r>
+              <a:rPr lang="en-US" altLang="ko-KR" sz="1600" b="1" dirty="0"/>
+              <a:t>, </a:t>
+            </a:r>
+            <a:r>
+              <a:rPr lang="ko-KR" altLang="en-US" sz="1600" b="1" dirty="0"/>
+              <a:t>주소</a:t>
+            </a:r>
+            <a:r>
+              <a:rPr lang="en-US" altLang="ko-KR" sz="1600" b="1" dirty="0"/>
+              <a:t> </a:t>
+            </a:r>
+            <a:r>
+              <a:rPr lang="ko-KR" altLang="en-US" sz="1600" b="1" dirty="0"/>
+              <a:t>데이터 값 불러와서 </a:t>
             </a:r>
             <a:r>
               <a:rPr lang="en-US" altLang="ko-KR" sz="1600" b="1" dirty="0"/>
@@ -13378,15 +13296,7 @@
             <a:pPr lvl="1"/>
             <a:r>
               <a:rPr lang="ko-KR" altLang="en-US" b="1" dirty="0"/>
-              <a:t>아이디 비밀번호 </a:t>
-            </a:r>
-            <a:r>
-              <a:rPr lang="ko-KR" altLang="en-US" b="1" dirty="0" err="1"/>
-              <a:t>입력시</a:t>
-            </a:r>
-            <a:r>
-              <a:rPr lang="ko-KR" altLang="en-US" b="1" dirty="0"/>
-              <a:t> 로그인</a:t>
+              <a:t>아이디 비밀번호 입력 시 로그인</a:t>
             </a:r>
             <a:endParaRPr lang="en-US" altLang="ko-KR" b="1" dirty="0"/>
           </a:p>
@@ -13402,15 +13312,7 @@
             </a:r>
             <a:r>
               <a:rPr lang="ko-KR" altLang="en-US" b="1" dirty="0"/>
-              <a:t>번 </a:t>
-            </a:r>
-            <a:r>
-              <a:rPr lang="ko-KR" altLang="en-US" b="1" dirty="0" err="1"/>
-              <a:t>틀릴시</a:t>
-            </a:r>
-            <a:r>
-              <a:rPr lang="ko-KR" altLang="en-US" b="1" dirty="0"/>
-              <a:t> </a:t>
+              <a:t>번 틀릴 시 </a:t>
             </a:r>
             <a:r>
               <a:rPr lang="en-US" altLang="ko-KR" b="1" dirty="0"/>
@@ -13448,15 +13350,15 @@
             <a:pPr lvl="1"/>
             <a:r>
               <a:rPr lang="ko-KR" altLang="en-US" b="1" dirty="0"/>
-              <a:t>카카오와 구글 네이버 로그인 </a:t>
-            </a:r>
-            <a:r>
-              <a:rPr lang="ko-KR" altLang="en-US" b="1" dirty="0" err="1"/>
-              <a:t>지원동일</a:t>
+              <a:t>카카오와 구글 네이버 로그인 지원</a:t>
+            </a:r>
+            <a:r>
+              <a:rPr lang="en-US" altLang="ko-KR" b="1" dirty="0"/>
+              <a:t>, </a:t>
             </a:r>
             <a:r>
               <a:rPr lang="ko-KR" altLang="en-US" b="1" dirty="0"/>
-              <a:t> 로그인으로 가입시 자동으로 연동</a:t>
+              <a:t>동일 로그인으로 가입시 자동으로 연동</a:t>
             </a:r>
             <a:endParaRPr lang="en-US" altLang="ko-KR" b="1" dirty="0"/>
           </a:p>
@@ -13613,15 +13515,23 @@
             <a:pPr lvl="1"/>
             <a:r>
               <a:rPr lang="ko-KR" altLang="en-US" sz="1500" b="1" dirty="0"/>
-              <a:t>아이디 이메일 이름 </a:t>
-            </a:r>
-            <a:r>
-              <a:rPr lang="ko-KR" altLang="en-US" sz="1500" b="1" dirty="0" err="1"/>
-              <a:t>입력시</a:t>
+              <a:t>아이디</a:t>
+            </a:r>
+            <a:r>
+              <a:rPr lang="en-US" altLang="ko-KR" sz="1500" b="1" dirty="0"/>
+              <a:t>, </a:t>
             </a:r>
             <a:r>
               <a:rPr lang="ko-KR" altLang="en-US" sz="1500" b="1" dirty="0"/>
-              <a:t> 비밀번호 랜덤 초기화</a:t>
+              <a:t>이메일</a:t>
+            </a:r>
+            <a:r>
+              <a:rPr lang="en-US" altLang="ko-KR" sz="1500" b="1" dirty="0"/>
+              <a:t>, </a:t>
+            </a:r>
+            <a:r>
+              <a:rPr lang="ko-KR" altLang="en-US" sz="1500" b="1" dirty="0"/>
+              <a:t>이름 입력 시 비밀번호 랜덤 초기화</a:t>
             </a:r>
             <a:endParaRPr lang="en-US" altLang="ko-KR" sz="1500" b="1" dirty="0"/>
           </a:p>
@@ -13953,14 +13863,6 @@
               <a:rPr lang="ko-KR" altLang="en-US" sz="1600" b="1" dirty="0"/>
               <a:t>로그아웃</a:t>
             </a:r>
-            <a:endParaRPr lang="en-US" altLang="ko-KR" sz="1600" b="1" dirty="0"/>
-          </a:p>
-          <a:p>
-            <a:pPr marL="274320" lvl="3"/>
-            <a:r>
-              <a:rPr lang="ko-KR" altLang="en-US" b="1" dirty="0"/>
-              <a:t>로그아웃</a:t>
-            </a:r>
             <a:endParaRPr lang="en-US" altLang="ko-KR" b="1" dirty="0"/>
           </a:p>
           <a:p>
@@ -13995,27 +13897,15 @@
             <a:pPr marL="274320" lvl="3"/>
             <a:r>
               <a:rPr lang="ko-KR" altLang="en-US" b="1" dirty="0"/>
-              <a:t>비밀번호 </a:t>
-            </a:r>
-            <a:r>
-              <a:rPr lang="ko-KR" altLang="en-US" b="1" dirty="0" err="1"/>
-              <a:t>입력후</a:t>
-            </a:r>
+              <a:t>비밀번호 입력 후 탈퇴 가능</a:t>
+            </a:r>
+            <a:endParaRPr lang="en-US" altLang="ko-KR" b="1" dirty="0"/>
+          </a:p>
+          <a:p>
+            <a:pPr marL="274320" lvl="3"/>
             <a:r>
               <a:rPr lang="ko-KR" altLang="en-US" b="1" dirty="0"/>
-              <a:t> 탈퇴 가능</a:t>
-            </a:r>
-            <a:endParaRPr lang="en-US" altLang="ko-KR" b="1" dirty="0"/>
-          </a:p>
-          <a:p>
-            <a:pPr marL="274320" lvl="3"/>
-            <a:r>
-              <a:rPr lang="ko-KR" altLang="en-US" b="1" dirty="0" err="1"/>
-              <a:t>탈퇴전</a:t>
-            </a:r>
-            <a:r>
-              <a:rPr lang="ko-KR" altLang="en-US" b="1" dirty="0"/>
-              <a:t> 확인가능</a:t>
+              <a:t>탈퇴 전 확인가능</a:t>
             </a:r>
             <a:endParaRPr lang="en-US" altLang="ko-KR" b="1" dirty="0"/>
           </a:p>
@@ -14150,7 +14040,7 @@
             </a:r>
             <a:r>
               <a:rPr lang="ko-KR" altLang="en-US" sz="2000" b="1" dirty="0"/>
-              <a:t>이메일</a:t>
+              <a:t>닉네임</a:t>
             </a:r>
             <a:r>
               <a:rPr lang="en-US" altLang="ko-KR" sz="2000" b="1" dirty="0"/>
@@ -14158,7 +14048,31 @@
             </a:r>
             <a:r>
               <a:rPr lang="ko-KR" altLang="en-US" sz="2000" b="1" dirty="0"/>
+              <a:t>생년월일</a:t>
+            </a:r>
+            <a:r>
+              <a:rPr lang="en-US" altLang="ko-KR" sz="2000" b="1" dirty="0"/>
+              <a:t>, </a:t>
+            </a:r>
+            <a:r>
+              <a:rPr lang="ko-KR" altLang="en-US" sz="2000" b="1" dirty="0"/>
+              <a:t>이메일</a:t>
+            </a:r>
+            <a:r>
+              <a:rPr lang="en-US" altLang="ko-KR" sz="2000" b="1" dirty="0"/>
+              <a:t>, </a:t>
+            </a:r>
+            <a:r>
+              <a:rPr lang="ko-KR" altLang="en-US" sz="2000" b="1" dirty="0"/>
               <a:t>전화번호</a:t>
+            </a:r>
+            <a:r>
+              <a:rPr lang="en-US" altLang="ko-KR" sz="2000" b="1" dirty="0"/>
+              <a:t>, </a:t>
+            </a:r>
+            <a:r>
+              <a:rPr lang="ko-KR" altLang="en-US" sz="2000" b="1" dirty="0"/>
+              <a:t>주소</a:t>
             </a:r>
             <a:r>
               <a:rPr lang="en-US" altLang="ko-KR" sz="2000" b="1" dirty="0"/>
@@ -14192,7 +14106,7 @@
             <a:pPr marL="274320" lvl="3"/>
             <a:r>
               <a:rPr lang="ko-KR" altLang="en-US" sz="2000" b="1" dirty="0"/>
-              <a:t>이름</a:t>
+              <a:t>닉네임</a:t>
             </a:r>
             <a:r>
               <a:rPr lang="en-US" altLang="ko-KR" sz="2000" b="1" dirty="0"/>
@@ -14200,7 +14114,7 @@
             </a:r>
             <a:r>
               <a:rPr lang="ko-KR" altLang="en-US" sz="2000" b="1" dirty="0"/>
-              <a:t>나이</a:t>
+              <a:t>전화번호</a:t>
             </a:r>
             <a:r>
               <a:rPr lang="en-US" altLang="ko-KR" sz="2000" b="1" dirty="0"/>
@@ -14208,39 +14122,15 @@
             </a:r>
             <a:r>
               <a:rPr lang="ko-KR" altLang="en-US" sz="2000" b="1" dirty="0"/>
-              <a:t>이메일</a:t>
-            </a:r>
-            <a:r>
-              <a:rPr lang="en-US" altLang="ko-KR" sz="2000" b="1" dirty="0"/>
-              <a:t>, </a:t>
-            </a:r>
+              <a:t>주소</a:t>
+            </a:r>
+            <a:endParaRPr lang="en-US" altLang="ko-KR" sz="2000" b="1" dirty="0"/>
+          </a:p>
+          <a:p>
+            <a:pPr marL="274320" lvl="3"/>
             <a:r>
               <a:rPr lang="ko-KR" altLang="en-US" sz="2000" b="1" dirty="0"/>
-              <a:t>전화번호</a:t>
-            </a:r>
-            <a:r>
-              <a:rPr lang="en-US" altLang="ko-KR" sz="2000" b="1" dirty="0"/>
-              <a:t>, </a:t>
-            </a:r>
-            <a:r>
-              <a:rPr lang="ko-KR" altLang="en-US" sz="2000" b="1" dirty="0"/>
-              <a:t>주소</a:t>
-            </a:r>
-            <a:endParaRPr lang="en-US" altLang="ko-KR" sz="2000" b="1" dirty="0"/>
-          </a:p>
-          <a:p>
-            <a:pPr marL="274320" lvl="3"/>
-            <a:r>
-              <a:rPr lang="ko-KR" altLang="en-US" sz="2000" b="1" dirty="0"/>
-              <a:t>간편로그인으로 </a:t>
-            </a:r>
-            <a:r>
-              <a:rPr lang="ko-KR" altLang="en-US" sz="2000" b="1" dirty="0" err="1"/>
-              <a:t>로그인시</a:t>
-            </a:r>
-            <a:r>
-              <a:rPr lang="ko-KR" altLang="en-US" sz="2000" b="1" dirty="0"/>
-              <a:t> 불가</a:t>
+              <a:t>간편로그인으로 로그인 시 닉네임 제외 정보 수정 불가</a:t>
             </a:r>
             <a:endParaRPr lang="en-US" altLang="ko-KR" sz="2000" b="1" dirty="0"/>
           </a:p>
@@ -14461,12 +14351,8 @@
           <a:p>
             <a:pPr lvl="1"/>
             <a:r>
-              <a:rPr lang="ko-KR" altLang="en-US" sz="1400" b="1" dirty="0" err="1"/>
-              <a:t>부여받은</a:t>
-            </a:r>
-            <a:r>
               <a:rPr lang="ko-KR" altLang="en-US" sz="1400" b="1" dirty="0"/>
-              <a:t> 역할의 면접 질문 출력</a:t>
+              <a:t>부여 받은 역할의 면접 질문 출력</a:t>
             </a:r>
             <a:endParaRPr lang="en-US" altLang="ko-KR" sz="1400" b="1" dirty="0"/>
           </a:p>
@@ -15168,15 +15054,7 @@
             </a:r>
             <a:r>
               <a:rPr lang="ko-KR" altLang="en-US" sz="1600" b="1" dirty="0"/>
-              <a:t>개 이상 </a:t>
-            </a:r>
-            <a:r>
-              <a:rPr lang="ko-KR" altLang="en-US" sz="1600" b="1" dirty="0" err="1"/>
-              <a:t>질문시</a:t>
-            </a:r>
-            <a:r>
-              <a:rPr lang="ko-KR" altLang="en-US" sz="1600" b="1" dirty="0"/>
-              <a:t> 자신의 히스토리에서 히스토리를 지워야지 질문이 가능</a:t>
+              <a:t>개 이상 질문 시 자신의 히스토리에서 히스토리를 지워야지 질문이 가능</a:t>
             </a:r>
             <a:endParaRPr lang="en-US" altLang="ko-KR" sz="1600" b="1" dirty="0"/>
           </a:p>
@@ -15195,20 +15073,8 @@
               <a:t>(30</a:t>
             </a:r>
             <a:r>
-              <a:rPr lang="ko-KR" altLang="en-US" sz="1600" b="1" dirty="0" err="1"/>
-              <a:t>개질문</a:t>
-            </a:r>
-            <a:r>
               <a:rPr lang="ko-KR" altLang="en-US" sz="1600" b="1" dirty="0"/>
-              <a:t> </a:t>
-            </a:r>
-            <a:r>
-              <a:rPr lang="ko-KR" altLang="en-US" sz="1600" b="1" dirty="0" err="1"/>
-              <a:t>꽉찼을때</a:t>
-            </a:r>
-            <a:r>
-              <a:rPr lang="ko-KR" altLang="en-US" sz="1600" b="1" dirty="0"/>
-              <a:t> 알림 뜨기</a:t>
+              <a:t>개 질문 꽉 찼을 때 알림 뜨기</a:t>
             </a:r>
             <a:r>
               <a:rPr lang="en-US" altLang="ko-KR" sz="1600" b="1" dirty="0"/>
